--- a/2DGP_Project_2차.pptx
+++ b/2DGP_Project_2차.pptx
@@ -4730,14 +4730,14 @@
           <p:nvPr>
             <p:extLst>
               <p:ext uri="{D42A27DB-BD31-4B8C-83A1-F6EECF244321}">
-                <p14:modId xmlns:p14="http://schemas.microsoft.com/office/powerpoint/2010/main" val="892008146"/>
+                <p14:modId xmlns:p14="http://schemas.microsoft.com/office/powerpoint/2010/main" val="1645601042"/>
               </p:ext>
             </p:extLst>
           </p:nvPr>
         </p:nvGraphicFramePr>
         <p:xfrm>
           <a:off x="492019" y="1686492"/>
-          <a:ext cx="10778925" cy="4294640"/>
+          <a:ext cx="10778925" cy="4270560"/>
         </p:xfrm>
         <a:graphic>
           <a:graphicData uri="http://schemas.openxmlformats.org/drawingml/2006/table">
@@ -5243,12 +5243,16 @@
                         <a:t>, </a:t>
                       </a:r>
                       <a:r>
-                        <a:rPr lang="ko-KR" altLang="en-US" sz="1100" err="1"/>
+                        <a:rPr lang="ko-KR" altLang="en-US" sz="1100" dirty="0" err="1"/>
                         <a:t>죽을때</a:t>
                       </a:r>
                       <a:r>
-                        <a:rPr lang="ko-KR" altLang="en-US" sz="1100"/>
-                        <a:t> 코드 작성해야함</a:t>
+                        <a:rPr lang="ko-KR" altLang="en-US" sz="1100" dirty="0"/>
+                        <a:t> 코드 </a:t>
+                      </a:r>
+                      <a:r>
+                        <a:rPr lang="ko-KR" altLang="en-US" sz="1100" dirty="0" err="1"/>
+                        <a:t>작성해야함</a:t>
                       </a:r>
                       <a:endParaRPr lang="ko-KR" altLang="en-US" sz="1100" dirty="0"/>
                     </a:p>
@@ -5272,7 +5276,7 @@
                   </a:ext>
                 </a:extLst>
               </a:tr>
-              <a:tr h="283160">
+              <a:tr h="0">
                 <a:tc rowSpan="2">
                   <a:txBody>
                     <a:bodyPr/>
@@ -5321,7 +5325,11 @@
                       </a:r>
                       <a:r>
                         <a:rPr lang="ko-KR" altLang="en-US" sz="1100" dirty="0"/>
-                        <a:t> 공격 충돌 및 데이지 </a:t>
+                        <a:t> 공격 충돌 </a:t>
+                      </a:r>
+                      <a:r>
+                        <a:rPr lang="ko-KR" altLang="en-US" sz="1100"/>
+                        <a:t>및 데미지 </a:t>
                       </a:r>
                       <a:r>
                         <a:rPr lang="ko-KR" altLang="en-US" sz="1100" dirty="0" err="1"/>
@@ -5997,41 +6005,12 @@
           <a:chExt cx="0" cy="0"/>
         </a:xfrm>
       </p:grpSpPr>
-      <p:pic>
-        <p:nvPicPr>
-          <p:cNvPr id="4" name="그림 3" descr="텍스트, 스크린샷, 소프트웨어, 멀티미디어 소프트웨어이(가) 표시된 사진&#10;&#10;자동 생성된 설명">
-            <a:extLst>
-              <a:ext uri="{FF2B5EF4-FFF2-40B4-BE49-F238E27FC236}">
-                <a16:creationId xmlns:a16="http://schemas.microsoft.com/office/drawing/2014/main" id="{40F6BFF9-065C-2803-75CD-F11AC30E244F}"/>
-              </a:ext>
-            </a:extLst>
-          </p:cNvPr>
-          <p:cNvPicPr>
-            <a:picLocks noChangeAspect="1"/>
-          </p:cNvPicPr>
-          <p:nvPr/>
-        </p:nvPicPr>
-        <p:blipFill>
-          <a:blip r:embed="rId3"/>
-          <a:srcRect r="2223" b="1"/>
-          <a:stretch/>
-        </p:blipFill>
-        <p:spPr>
-          <a:xfrm>
-            <a:off x="20" y="10"/>
-            <a:ext cx="12191980" cy="6857990"/>
-          </a:xfrm>
-          <a:prstGeom prst="rect">
-            <a:avLst/>
-          </a:prstGeom>
-        </p:spPr>
-      </p:pic>
-      <p:sp>
-        <p:nvSpPr>
-          <p:cNvPr id="9" name="Rectangle 8">
-            <a:extLst>
-              <a:ext uri="{FF2B5EF4-FFF2-40B4-BE49-F238E27FC236}">
-                <a16:creationId xmlns:a16="http://schemas.microsoft.com/office/drawing/2014/main" id="{37C89E4B-3C9F-44B9-8B86-D9E3D112D8EC}"/>
+      <p:sp>
+        <p:nvSpPr>
+          <p:cNvPr id="18" name="Rectangle 17">
+            <a:extLst>
+              <a:ext uri="{FF2B5EF4-FFF2-40B4-BE49-F238E27FC236}">
+                <a16:creationId xmlns:a16="http://schemas.microsoft.com/office/drawing/2014/main" id="{A4AC5506-6312-4701-8D3C-40187889A947}"/>
               </a:ext>
               <a:ext uri="{C183D7F6-B498-43B3-948B-1728B52AA6E4}">
                 <adec:decorative xmlns:adec="http://schemas.microsoft.com/office/drawing/2017/decorative" val="1"/>
@@ -6051,16 +6030,14 @@
         </p:nvSpPr>
         <p:spPr>
           <a:xfrm>
-            <a:off x="0" y="5320142"/>
+            <a:off x="0" y="651752"/>
             <a:ext cx="12192000" cy="736551"/>
           </a:xfrm>
           <a:prstGeom prst="rect">
             <a:avLst/>
           </a:prstGeom>
           <a:solidFill>
-            <a:schemeClr val="bg1">
-              <a:alpha val="93000"/>
-            </a:schemeClr>
+            <a:schemeClr val="tx1"/>
           </a:solidFill>
           <a:ln>
             <a:noFill/>
@@ -6109,7 +6086,7 @@
         </p:nvSpPr>
         <p:spPr>
           <a:xfrm>
-            <a:off x="523875" y="5317240"/>
+            <a:off x="556532" y="643467"/>
             <a:ext cx="11210925" cy="744836"/>
           </a:xfrm>
         </p:spPr>
@@ -6121,136 +6098,54 @@
           <a:p>
             <a:pPr algn="ctr"/>
             <a:r>
-              <a:rPr lang="en-US" altLang="ko-KR" sz="3600" dirty="0" err="1"/>
-              <a:t>Github</a:t>
-            </a:r>
-            <a:r>
-              <a:rPr lang="en-US" altLang="ko-KR" sz="3600" dirty="0"/>
-              <a:t> </a:t>
-            </a:r>
-            <a:r>
-              <a:rPr lang="ko-KR" altLang="en-US" sz="3600" dirty="0" err="1"/>
+              <a:rPr lang="en-US" altLang="ko-KR" sz="3200">
+                <a:solidFill>
+                  <a:schemeClr val="bg1"/>
+                </a:solidFill>
+              </a:rPr>
+              <a:t>Github </a:t>
+            </a:r>
+            <a:r>
+              <a:rPr lang="ko-KR" altLang="en-US" sz="3200">
+                <a:solidFill>
+                  <a:schemeClr val="bg1"/>
+                </a:solidFill>
+              </a:rPr>
               <a:t>커밋통계</a:t>
             </a:r>
-            <a:endParaRPr lang="ko-KR" altLang="en-US" sz="3600" dirty="0">
-              <a:solidFill>
-                <a:schemeClr val="tx1">
-                  <a:lumMod val="85000"/>
-                  <a:lumOff val="15000"/>
-                </a:schemeClr>
-              </a:solidFill>
-            </a:endParaRPr>
-          </a:p>
-        </p:txBody>
-      </p:sp>
-      <p:cxnSp>
-        <p:nvCxnSpPr>
-          <p:cNvPr id="11" name="Straight Connector 10">
-            <a:extLst>
-              <a:ext uri="{FF2B5EF4-FFF2-40B4-BE49-F238E27FC236}">
-                <a16:creationId xmlns:a16="http://schemas.microsoft.com/office/drawing/2014/main" id="{AA2EAA10-076F-46BD-8F0F-B9A2FB77A85C}"/>
-              </a:ext>
-              <a:ext uri="{C183D7F6-B498-43B3-948B-1728B52AA6E4}">
-                <adec:decorative xmlns:adec="http://schemas.microsoft.com/office/drawing/2017/decorative" val="1"/>
-              </a:ext>
-            </a:extLst>
-          </p:cNvPr>
-          <p:cNvCxnSpPr>
-            <a:cxnSpLocks noGrp="1" noRot="1" noChangeAspect="1" noMove="1" noResize="1" noEditPoints="1" noAdjustHandles="1" noChangeArrowheads="1" noChangeShapeType="1"/>
-          </p:cNvCxnSpPr>
-          <p:nvPr>
-            <p:extLst>
-              <p:ext uri="{386F3935-93C4-4BCD-93E2-E3B085C9AB24}">
-                <p16:designElem xmlns:p16="http://schemas.microsoft.com/office/powerpoint/2015/main" val="1"/>
-              </p:ext>
-            </p:extLst>
-          </p:nvPr>
-        </p:nvCxnSpPr>
+          </a:p>
+        </p:txBody>
+      </p:sp>
+      <p:pic>
+        <p:nvPicPr>
+          <p:cNvPr id="5" name="그림 4" descr="스크린샷, 텍스트, 그래픽 소프트웨어, 멀티미디어 소프트웨어이(가) 표시된 사진&#10;&#10;자동 생성된 설명">
+            <a:extLst>
+              <a:ext uri="{FF2B5EF4-FFF2-40B4-BE49-F238E27FC236}">
+                <a16:creationId xmlns:a16="http://schemas.microsoft.com/office/drawing/2014/main" id="{DE45D2F7-F2CC-F011-CA75-DBBA1DBB6673}"/>
+              </a:ext>
+            </a:extLst>
+          </p:cNvPr>
+          <p:cNvPicPr>
+            <a:picLocks noChangeAspect="1"/>
+          </p:cNvPicPr>
+          <p:nvPr/>
+        </p:nvPicPr>
+        <p:blipFill>
+          <a:blip r:embed="rId3"/>
+          <a:stretch>
+            <a:fillRect/>
+          </a:stretch>
+        </p:blipFill>
         <p:spPr>
           <a:xfrm>
-            <a:off x="0" y="5241983"/>
-            <a:ext cx="12192000" cy="0"/>
+            <a:off x="1253530" y="1560139"/>
+            <a:ext cx="9684939" cy="5133018"/>
           </a:xfrm>
-          <a:prstGeom prst="line">
+          <a:prstGeom prst="rect">
             <a:avLst/>
           </a:prstGeom>
-          <a:ln w="41275">
-            <a:solidFill>
-              <a:schemeClr val="bg1">
-                <a:alpha val="90000"/>
-              </a:schemeClr>
-            </a:solidFill>
-          </a:ln>
         </p:spPr>
-        <p:style>
-          <a:lnRef idx="1">
-            <a:schemeClr val="accent1"/>
-          </a:lnRef>
-          <a:fillRef idx="0">
-            <a:schemeClr val="accent1"/>
-          </a:fillRef>
-          <a:effectRef idx="0">
-            <a:schemeClr val="accent1"/>
-          </a:effectRef>
-          <a:fontRef idx="minor">
-            <a:schemeClr val="tx1"/>
-          </a:fontRef>
-        </p:style>
-      </p:cxnSp>
-      <p:cxnSp>
-        <p:nvCxnSpPr>
-          <p:cNvPr id="13" name="Straight Connector 12">
-            <a:extLst>
-              <a:ext uri="{FF2B5EF4-FFF2-40B4-BE49-F238E27FC236}">
-                <a16:creationId xmlns:a16="http://schemas.microsoft.com/office/drawing/2014/main" id="{D891E407-403B-4764-86C9-33A56D3BCAA3}"/>
-              </a:ext>
-              <a:ext uri="{C183D7F6-B498-43B3-948B-1728B52AA6E4}">
-                <adec:decorative xmlns:adec="http://schemas.microsoft.com/office/drawing/2017/decorative" val="1"/>
-              </a:ext>
-            </a:extLst>
-          </p:cNvPr>
-          <p:cNvCxnSpPr>
-            <a:cxnSpLocks noGrp="1" noRot="1" noChangeAspect="1" noMove="1" noResize="1" noEditPoints="1" noAdjustHandles="1" noChangeArrowheads="1" noChangeShapeType="1"/>
-          </p:cNvCxnSpPr>
-          <p:nvPr>
-            <p:extLst>
-              <p:ext uri="{386F3935-93C4-4BCD-93E2-E3B085C9AB24}">
-                <p16:designElem xmlns:p16="http://schemas.microsoft.com/office/powerpoint/2015/main" val="1"/>
-              </p:ext>
-            </p:extLst>
-          </p:nvPr>
-        </p:nvCxnSpPr>
-        <p:spPr>
-          <a:xfrm>
-            <a:off x="0" y="6134852"/>
-            <a:ext cx="12192000" cy="0"/>
-          </a:xfrm>
-          <a:prstGeom prst="line">
-            <a:avLst/>
-          </a:prstGeom>
-          <a:ln w="41275">
-            <a:solidFill>
-              <a:schemeClr val="bg1">
-                <a:alpha val="90000"/>
-              </a:schemeClr>
-            </a:solidFill>
-          </a:ln>
-        </p:spPr>
-        <p:style>
-          <a:lnRef idx="1">
-            <a:schemeClr val="accent1"/>
-          </a:lnRef>
-          <a:fillRef idx="0">
-            <a:schemeClr val="accent1"/>
-          </a:fillRef>
-          <a:effectRef idx="0">
-            <a:schemeClr val="accent1"/>
-          </a:effectRef>
-          <a:fontRef idx="minor">
-            <a:schemeClr val="tx1"/>
-          </a:fontRef>
-        </p:style>
-      </p:cxnSp>
+      </p:pic>
     </p:spTree>
     <p:extLst>
       <p:ext uri="{BB962C8B-B14F-4D97-AF65-F5344CB8AC3E}">
